--- a/랩미팅/201906/190603 Machine Learning 2D structure (Jong).pptx
+++ b/랩미팅/201906/190603 Machine Learning 2D structure (Jong).pptx
@@ -3996,7 +3996,7 @@
           <a:p>
             <a:fld id="{32C03489-23FC-4021-B9AB-958EFB3C0FE7}" type="datetime1">
               <a:rPr lang="ko-KR" altLang="en-US" smtClean="0"/>
-              <a:t>2019-05-30</a:t>
+              <a:t>2019-05-31</a:t>
             </a:fld>
             <a:endParaRPr lang="ko-KR" altLang="en-US"/>
           </a:p>
@@ -4052,21 +4052,7 @@
                 <a:latin typeface="Arial" panose="020B0604020202020204" pitchFamily="34" charset="0"/>
                 <a:cs typeface="Arial" panose="020B0604020202020204" pitchFamily="34" charset="0"/>
               </a:rPr>
-              <a:t>2015-</a:t>
-            </a:r>
-            <a:r>
-              <a:rPr lang="en-US" altLang="ko-KR" sz="1400" b="1" dirty="0" smtClean="0">
-                <a:latin typeface="Arial" panose="020B0604020202020204" pitchFamily="34" charset="0"/>
-                <a:cs typeface="Arial" panose="020B0604020202020204" pitchFamily="34" charset="0"/>
-              </a:rPr>
-              <a:t>nature photonics</a:t>
-            </a:r>
-            <a:r>
-              <a:rPr lang="en-US" altLang="ko-KR" sz="1400" b="1" dirty="0" smtClean="0">
-                <a:latin typeface="Arial" panose="020B0604020202020204" pitchFamily="34" charset="0"/>
-                <a:cs typeface="Arial" panose="020B0604020202020204" pitchFamily="34" charset="0"/>
-              </a:rPr>
-              <a:t>-</a:t>
+              <a:t>2015-nature photonics-</a:t>
             </a:r>
             <a:r>
               <a:rPr lang="en-US" altLang="ko-KR" sz="1400" b="1" dirty="0" err="1" smtClean="0">
@@ -4166,43 +4152,275 @@
               </a:rPr>
               <a:t>)</a:t>
             </a:r>
-            <a:endParaRPr lang="en-US" altLang="ko-KR" sz="1400" b="1" dirty="0" smtClean="0">
-              <a:latin typeface="Arial" panose="020B0604020202020204" pitchFamily="34" charset="0"/>
-              <a:cs typeface="Arial" panose="020B0604020202020204" pitchFamily="34" charset="0"/>
-            </a:endParaRPr>
-          </a:p>
-        </p:txBody>
-      </p:sp>
-      <p:sp>
-        <p:nvSpPr>
-          <p:cNvPr id="9" name="TextBox 8"/>
-          <p:cNvSpPr txBox="1"/>
-          <p:nvPr/>
-        </p:nvSpPr>
-        <p:spPr>
-          <a:xfrm>
-            <a:off x="0" y="812007"/>
-            <a:ext cx="5518612" cy="369332"/>
-          </a:xfrm>
-          <a:prstGeom prst="rect">
-            <a:avLst/>
-          </a:prstGeom>
-          <a:noFill/>
-        </p:spPr>
-        <p:txBody>
-          <a:bodyPr wrap="square" rtlCol="0">
-            <a:spAutoFit/>
-          </a:bodyPr>
-          <a:lstStyle/>
-          <a:p>
-            <a:r>
-              <a:rPr lang="en-US" altLang="ko-KR" dirty="0" smtClean="0"/>
-              <a:t>SOI: silicon-on-insulator</a:t>
-            </a:r>
-            <a:endParaRPr lang="ko-KR" altLang="en-US" dirty="0"/>
-          </a:p>
-        </p:txBody>
-      </p:sp>
+          </a:p>
+        </p:txBody>
+      </p:sp>
+      <mc:AlternateContent xmlns:mc="http://schemas.openxmlformats.org/markup-compatibility/2006">
+        <mc:Choice xmlns:a14="http://schemas.microsoft.com/office/drawing/2010/main" Requires="a14">
+          <p:sp>
+            <p:nvSpPr>
+              <p:cNvPr id="9" name="TextBox 8"/>
+              <p:cNvSpPr txBox="1"/>
+              <p:nvPr/>
+            </p:nvSpPr>
+            <p:spPr>
+              <a:xfrm>
+                <a:off x="0" y="848480"/>
+                <a:ext cx="8703469" cy="670120"/>
+              </a:xfrm>
+              <a:prstGeom prst="rect">
+                <a:avLst/>
+              </a:prstGeom>
+              <a:noFill/>
+            </p:spPr>
+            <p:txBody>
+              <a:bodyPr wrap="square" rtlCol="0">
+                <a:spAutoFit/>
+              </a:bodyPr>
+              <a:lstStyle/>
+              <a:p>
+                <a:pPr marL="285750" indent="-285750">
+                  <a:buFontTx/>
+                  <a:buChar char="-"/>
+                </a:pPr>
+                <a:r>
+                  <a:rPr lang="en-US" altLang="ko-KR" dirty="0" smtClean="0"/>
+                  <a:t>220 nm Si layer on SiO2 substrate with air cladding (</a:t>
+                </a:r>
+                <a14:m>
+                  <m:oMath xmlns:m="http://schemas.openxmlformats.org/officeDocument/2006/math">
+                    <m:sSub>
+                      <m:sSubPr>
+                        <m:ctrlPr>
+                          <a:rPr lang="en-US" altLang="ko-KR" b="0" i="1" smtClean="0">
+                            <a:latin typeface="Cambria Math" panose="02040503050406030204" pitchFamily="18" charset="0"/>
+                          </a:rPr>
+                        </m:ctrlPr>
+                      </m:sSubPr>
+                      <m:e>
+                        <m:r>
+                          <a:rPr lang="en-US" altLang="ko-KR" b="0" i="1" smtClean="0">
+                            <a:latin typeface="Cambria Math" panose="02040503050406030204" pitchFamily="18" charset="0"/>
+                          </a:rPr>
+                          <m:t>𝑛</m:t>
+                        </m:r>
+                      </m:e>
+                      <m:sub>
+                        <m:r>
+                          <m:rPr>
+                            <m:sty m:val="p"/>
+                          </m:rPr>
+                          <a:rPr lang="en-US" altLang="ko-KR" b="0" i="0" smtClean="0">
+                            <a:latin typeface="Cambria Math" panose="02040503050406030204" pitchFamily="18" charset="0"/>
+                          </a:rPr>
+                          <m:t>Si</m:t>
+                        </m:r>
+                      </m:sub>
+                    </m:sSub>
+                    <m:r>
+                      <a:rPr lang="en-US" altLang="ko-KR" b="0" i="1" smtClean="0">
+                        <a:latin typeface="Cambria Math" panose="02040503050406030204" pitchFamily="18" charset="0"/>
+                      </a:rPr>
+                      <m:t>=3.49, </m:t>
+                    </m:r>
+                    <m:sSub>
+                      <m:sSubPr>
+                        <m:ctrlPr>
+                          <a:rPr lang="en-US" altLang="ko-KR" b="0" i="1" smtClean="0">
+                            <a:latin typeface="Cambria Math" panose="02040503050406030204" pitchFamily="18" charset="0"/>
+                          </a:rPr>
+                        </m:ctrlPr>
+                      </m:sSubPr>
+                      <m:e>
+                        <m:r>
+                          <a:rPr lang="en-US" altLang="ko-KR" b="0" i="1" smtClean="0">
+                            <a:latin typeface="Cambria Math" panose="02040503050406030204" pitchFamily="18" charset="0"/>
+                          </a:rPr>
+                          <m:t>𝑛</m:t>
+                        </m:r>
+                      </m:e>
+                      <m:sub>
+                        <m:r>
+                          <m:rPr>
+                            <m:sty m:val="p"/>
+                          </m:rPr>
+                          <a:rPr lang="en-US" altLang="ko-KR" b="0" i="0" smtClean="0">
+                            <a:latin typeface="Cambria Math" panose="02040503050406030204" pitchFamily="18" charset="0"/>
+                          </a:rPr>
+                          <m:t>Si</m:t>
+                        </m:r>
+                        <m:sSub>
+                          <m:sSubPr>
+                            <m:ctrlPr>
+                              <a:rPr lang="en-US" altLang="ko-KR" b="0" smtClean="0">
+                                <a:latin typeface="Cambria Math" panose="02040503050406030204" pitchFamily="18" charset="0"/>
+                              </a:rPr>
+                            </m:ctrlPr>
+                          </m:sSubPr>
+                          <m:e>
+                            <m:r>
+                              <m:rPr>
+                                <m:sty m:val="p"/>
+                              </m:rPr>
+                              <a:rPr lang="en-US" altLang="ko-KR" b="0" i="0" smtClean="0">
+                                <a:latin typeface="Cambria Math" panose="02040503050406030204" pitchFamily="18" charset="0"/>
+                              </a:rPr>
+                              <m:t>O</m:t>
+                            </m:r>
+                          </m:e>
+                          <m:sub>
+                            <m:r>
+                              <a:rPr lang="en-US" altLang="ko-KR" b="0" i="0" smtClean="0">
+                                <a:latin typeface="Cambria Math" panose="02040503050406030204" pitchFamily="18" charset="0"/>
+                              </a:rPr>
+                              <m:t>2</m:t>
+                            </m:r>
+                          </m:sub>
+                        </m:sSub>
+                      </m:sub>
+                    </m:sSub>
+                    <m:r>
+                      <a:rPr lang="en-US" altLang="ko-KR" b="0" i="1" smtClean="0">
+                        <a:latin typeface="Cambria Math" panose="02040503050406030204" pitchFamily="18" charset="0"/>
+                      </a:rPr>
+                      <m:t>=1.45, </m:t>
+                    </m:r>
+                    <m:sSub>
+                      <m:sSubPr>
+                        <m:ctrlPr>
+                          <a:rPr lang="en-US" altLang="ko-KR" b="0" i="1" smtClean="0">
+                            <a:latin typeface="Cambria Math" panose="02040503050406030204" pitchFamily="18" charset="0"/>
+                          </a:rPr>
+                        </m:ctrlPr>
+                      </m:sSubPr>
+                      <m:e>
+                        <m:r>
+                          <a:rPr lang="en-US" altLang="ko-KR" b="0" i="1" smtClean="0">
+                            <a:latin typeface="Cambria Math" panose="02040503050406030204" pitchFamily="18" charset="0"/>
+                          </a:rPr>
+                          <m:t>𝑛</m:t>
+                        </m:r>
+                      </m:e>
+                      <m:sub>
+                        <m:r>
+                          <m:rPr>
+                            <m:sty m:val="p"/>
+                          </m:rPr>
+                          <a:rPr lang="en-US" altLang="ko-KR" b="0" i="0" smtClean="0">
+                            <a:latin typeface="Cambria Math" panose="02040503050406030204" pitchFamily="18" charset="0"/>
+                          </a:rPr>
+                          <m:t>air</m:t>
+                        </m:r>
+                      </m:sub>
+                    </m:sSub>
+                    <m:r>
+                      <a:rPr lang="en-US" altLang="ko-KR" b="0" i="1" smtClean="0">
+                        <a:latin typeface="Cambria Math" panose="02040503050406030204" pitchFamily="18" charset="0"/>
+                      </a:rPr>
+                      <m:t>=1</m:t>
+                    </m:r>
+                  </m:oMath>
+                </a14:m>
+                <a:r>
+                  <a:rPr lang="en-US" altLang="ko-KR" dirty="0" smtClean="0"/>
+                  <a:t>)</a:t>
+                </a:r>
+              </a:p>
+              <a:p>
+                <a:pPr marL="285750" indent="-285750">
+                  <a:buFontTx/>
+                  <a:buChar char="-"/>
+                </a:pPr>
+                <a:r>
+                  <a:rPr lang="en-US" altLang="ko-KR" dirty="0" smtClean="0"/>
+                  <a:t>2.8 </a:t>
+                </a:r>
+                <a14:m>
+                  <m:oMath xmlns:m="http://schemas.openxmlformats.org/officeDocument/2006/math">
+                    <m:r>
+                      <m:rPr>
+                        <m:sty m:val="p"/>
+                      </m:rPr>
+                      <a:rPr lang="en-US" altLang="ko-KR">
+                        <a:latin typeface="Cambria Math" panose="02040503050406030204" pitchFamily="18" charset="0"/>
+                      </a:rPr>
+                      <m:t>μm</m:t>
+                    </m:r>
+                  </m:oMath>
+                </a14:m>
+                <a:r>
+                  <a:rPr lang="en-US" altLang="ko-KR" dirty="0"/>
+                  <a:t> x </a:t>
+                </a:r>
+                <a:r>
+                  <a:rPr lang="en-US" altLang="ko-KR" dirty="0" smtClean="0"/>
+                  <a:t>2.8 </a:t>
+                </a:r>
+                <a14:m>
+                  <m:oMath xmlns:m="http://schemas.openxmlformats.org/officeDocument/2006/math">
+                    <m:r>
+                      <m:rPr>
+                        <m:sty m:val="p"/>
+                      </m:rPr>
+                      <a:rPr lang="en-US" altLang="ko-KR">
+                        <a:latin typeface="Cambria Math" panose="02040503050406030204" pitchFamily="18" charset="0"/>
+                      </a:rPr>
+                      <m:t>μm</m:t>
+                    </m:r>
+                  </m:oMath>
+                </a14:m>
+                <a:r>
+                  <a:rPr lang="en-US" altLang="ko-KR" dirty="0"/>
+                  <a:t> </a:t>
+                </a:r>
+                <a:r>
+                  <a:rPr lang="en-US" altLang="ko-KR" dirty="0" smtClean="0"/>
+                  <a:t>design region</a:t>
+                </a:r>
+                <a:endParaRPr lang="en-US" altLang="ko-KR" dirty="0"/>
+              </a:p>
+            </p:txBody>
+          </p:sp>
+        </mc:Choice>
+        <mc:Fallback>
+          <p:sp>
+            <p:nvSpPr>
+              <p:cNvPr id="9" name="TextBox 8"/>
+              <p:cNvSpPr txBox="1">
+                <a:spLocks noRot="1" noChangeAspect="1" noMove="1" noResize="1" noEditPoints="1" noAdjustHandles="1" noChangeArrowheads="1" noChangeShapeType="1" noTextEdit="1"/>
+              </p:cNvSpPr>
+              <p:nvPr/>
+            </p:nvSpPr>
+            <p:spPr>
+              <a:xfrm>
+                <a:off x="0" y="848480"/>
+                <a:ext cx="8703469" cy="670120"/>
+              </a:xfrm>
+              <a:prstGeom prst="rect">
+                <a:avLst/>
+              </a:prstGeom>
+              <a:blipFill>
+                <a:blip r:embed="rId3"/>
+                <a:stretch>
+                  <a:fillRect l="-560" t="-3636" b="-13636"/>
+                </a:stretch>
+              </a:blipFill>
+            </p:spPr>
+            <p:txBody>
+              <a:bodyPr/>
+              <a:lstStyle/>
+              <a:p>
+                <a:r>
+                  <a:rPr lang="ko-KR" altLang="en-US">
+                    <a:noFill/>
+                  </a:rPr>
+                  <a:t> </a:t>
+                </a:r>
+              </a:p>
+            </p:txBody>
+          </p:sp>
+        </mc:Fallback>
+      </mc:AlternateContent>
       <p:pic>
         <p:nvPicPr>
           <p:cNvPr id="5" name="그림 4"/>
@@ -4212,14 +4430,14 @@
           <p:nvPr/>
         </p:nvPicPr>
         <p:blipFill>
-          <a:blip r:embed="rId3"/>
+          <a:blip r:embed="rId4"/>
           <a:stretch>
             <a:fillRect/>
           </a:stretch>
         </p:blipFill>
         <p:spPr>
           <a:xfrm>
-            <a:off x="1184670" y="1658790"/>
+            <a:off x="837958" y="1711942"/>
             <a:ext cx="4743451" cy="1756834"/>
           </a:xfrm>
           <a:prstGeom prst="rect">
@@ -4236,14 +4454,14 @@
           <p:nvPr/>
         </p:nvPicPr>
         <p:blipFill>
-          <a:blip r:embed="rId4"/>
+          <a:blip r:embed="rId5"/>
           <a:stretch>
             <a:fillRect/>
           </a:stretch>
         </p:blipFill>
         <p:spPr>
           <a:xfrm>
-            <a:off x="6269831" y="1474832"/>
+            <a:off x="6269832" y="1658790"/>
             <a:ext cx="2433637" cy="3881583"/>
           </a:xfrm>
           <a:prstGeom prst="rect">
@@ -4260,14 +4478,14 @@
           <p:nvPr/>
         </p:nvPicPr>
         <p:blipFill>
-          <a:blip r:embed="rId5"/>
+          <a:blip r:embed="rId6"/>
           <a:stretch>
             <a:fillRect/>
           </a:stretch>
         </p:blipFill>
         <p:spPr>
           <a:xfrm>
-            <a:off x="1006076" y="3619397"/>
+            <a:off x="659364" y="3672549"/>
             <a:ext cx="5100638" cy="1687134"/>
           </a:xfrm>
           <a:prstGeom prst="rect">
@@ -4275,6 +4493,196 @@
           </a:prstGeom>
         </p:spPr>
       </p:pic>
+      <p:sp>
+        <p:nvSpPr>
+          <p:cNvPr id="10" name="TextBox 9"/>
+          <p:cNvSpPr txBox="1"/>
+          <p:nvPr/>
+        </p:nvSpPr>
+        <p:spPr>
+          <a:xfrm>
+            <a:off x="6607580" y="3468776"/>
+            <a:ext cx="790748" cy="261610"/>
+          </a:xfrm>
+          <a:prstGeom prst="rect">
+            <a:avLst/>
+          </a:prstGeom>
+          <a:noFill/>
+        </p:spPr>
+        <p:txBody>
+          <a:bodyPr wrap="square" rtlCol="0">
+            <a:spAutoFit/>
+          </a:bodyPr>
+          <a:lstStyle/>
+          <a:p>
+            <a:r>
+              <a:rPr lang="en-US" altLang="ko-KR" sz="1100" b="1" dirty="0" smtClean="0">
+                <a:solidFill>
+                  <a:srgbClr val="3333FF"/>
+                </a:solidFill>
+              </a:rPr>
+              <a:t>Measured</a:t>
+            </a:r>
+            <a:endParaRPr lang="ko-KR" altLang="en-US" sz="1100" b="1" dirty="0">
+              <a:solidFill>
+                <a:srgbClr val="3333FF"/>
+              </a:solidFill>
+            </a:endParaRPr>
+          </a:p>
+        </p:txBody>
+      </p:sp>
+      <p:sp>
+        <p:nvSpPr>
+          <p:cNvPr id="11" name="TextBox 10"/>
+          <p:cNvSpPr txBox="1"/>
+          <p:nvPr/>
+        </p:nvSpPr>
+        <p:spPr>
+          <a:xfrm>
+            <a:off x="6607579" y="1581138"/>
+            <a:ext cx="1189759" cy="261610"/>
+          </a:xfrm>
+          <a:prstGeom prst="rect">
+            <a:avLst/>
+          </a:prstGeom>
+          <a:noFill/>
+        </p:spPr>
+        <p:txBody>
+          <a:bodyPr wrap="square" rtlCol="0">
+            <a:spAutoFit/>
+          </a:bodyPr>
+          <a:lstStyle/>
+          <a:p>
+            <a:r>
+              <a:rPr lang="en-US" altLang="ko-KR" sz="1100" b="1" dirty="0" smtClean="0">
+                <a:solidFill>
+                  <a:srgbClr val="3333FF"/>
+                </a:solidFill>
+              </a:rPr>
+              <a:t>FDTD simulation</a:t>
+            </a:r>
+            <a:endParaRPr lang="ko-KR" altLang="en-US" sz="1100" b="1" dirty="0">
+              <a:solidFill>
+                <a:srgbClr val="3333FF"/>
+              </a:solidFill>
+            </a:endParaRPr>
+          </a:p>
+        </p:txBody>
+      </p:sp>
+      <p:sp>
+        <p:nvSpPr>
+          <p:cNvPr id="12" name="TextBox 11"/>
+          <p:cNvSpPr txBox="1"/>
+          <p:nvPr/>
+        </p:nvSpPr>
+        <p:spPr>
+          <a:xfrm>
+            <a:off x="0" y="2407285"/>
+            <a:ext cx="992496" cy="430887"/>
+          </a:xfrm>
+          <a:prstGeom prst="rect">
+            <a:avLst/>
+          </a:prstGeom>
+          <a:noFill/>
+        </p:spPr>
+        <p:txBody>
+          <a:bodyPr wrap="square" rtlCol="0">
+            <a:spAutoFit/>
+          </a:bodyPr>
+          <a:lstStyle/>
+          <a:p>
+            <a:pPr algn="ctr"/>
+            <a:r>
+              <a:rPr lang="en-US" altLang="ko-KR" sz="1100" dirty="0" smtClean="0"/>
+              <a:t>Fundamental</a:t>
+            </a:r>
+          </a:p>
+          <a:p>
+            <a:pPr algn="ctr"/>
+            <a:r>
+              <a:rPr lang="en-US" altLang="ko-KR" sz="1100" dirty="0" smtClean="0"/>
+              <a:t>TE mode</a:t>
+            </a:r>
+            <a:endParaRPr lang="ko-KR" altLang="en-US" sz="1100" dirty="0"/>
+          </a:p>
+        </p:txBody>
+      </p:sp>
+      <p:sp>
+        <p:nvSpPr>
+          <p:cNvPr id="13" name="TextBox 12"/>
+          <p:cNvSpPr txBox="1"/>
+          <p:nvPr/>
+        </p:nvSpPr>
+        <p:spPr>
+          <a:xfrm>
+            <a:off x="5022421" y="1864026"/>
+            <a:ext cx="992496" cy="430887"/>
+          </a:xfrm>
+          <a:prstGeom prst="rect">
+            <a:avLst/>
+          </a:prstGeom>
+          <a:noFill/>
+        </p:spPr>
+        <p:txBody>
+          <a:bodyPr wrap="square" rtlCol="0">
+            <a:spAutoFit/>
+          </a:bodyPr>
+          <a:lstStyle/>
+          <a:p>
+            <a:pPr algn="ctr"/>
+            <a:r>
+              <a:rPr lang="en-US" altLang="ko-KR" sz="1100" dirty="0" smtClean="0"/>
+              <a:t>Fundamental</a:t>
+            </a:r>
+          </a:p>
+          <a:p>
+            <a:pPr algn="ctr"/>
+            <a:r>
+              <a:rPr lang="en-US" altLang="ko-KR" sz="1100" dirty="0" smtClean="0"/>
+              <a:t>TE mode</a:t>
+            </a:r>
+            <a:endParaRPr lang="ko-KR" altLang="en-US" sz="1100" dirty="0"/>
+          </a:p>
+        </p:txBody>
+      </p:sp>
+      <p:sp>
+        <p:nvSpPr>
+          <p:cNvPr id="14" name="TextBox 13"/>
+          <p:cNvSpPr txBox="1"/>
+          <p:nvPr/>
+        </p:nvSpPr>
+        <p:spPr>
+          <a:xfrm>
+            <a:off x="5022421" y="2546318"/>
+            <a:ext cx="992496" cy="430887"/>
+          </a:xfrm>
+          <a:prstGeom prst="rect">
+            <a:avLst/>
+          </a:prstGeom>
+          <a:noFill/>
+        </p:spPr>
+        <p:txBody>
+          <a:bodyPr wrap="square" rtlCol="0">
+            <a:spAutoFit/>
+          </a:bodyPr>
+          <a:lstStyle/>
+          <a:p>
+            <a:pPr algn="ctr"/>
+            <a:r>
+              <a:rPr lang="en-US" altLang="ko-KR" sz="1100" dirty="0" smtClean="0"/>
+              <a:t>Fundamental</a:t>
+            </a:r>
+          </a:p>
+          <a:p>
+            <a:pPr algn="ctr"/>
+            <a:r>
+              <a:rPr lang="en-US" altLang="ko-KR" sz="1100" dirty="0" smtClean="0"/>
+              <a:t>TE mode</a:t>
+            </a:r>
+            <a:endParaRPr lang="ko-KR" altLang="en-US" sz="1100" dirty="0"/>
+          </a:p>
+        </p:txBody>
+      </p:sp>
     </p:spTree>
     <p:extLst>
       <p:ext uri="{BB962C8B-B14F-4D97-AF65-F5344CB8AC3E}">
@@ -4329,7 +4737,7 @@
           <a:p>
             <a:fld id="{32C03489-23FC-4021-B9AB-958EFB3C0FE7}" type="datetime1">
               <a:rPr lang="ko-KR" altLang="en-US" smtClean="0"/>
-              <a:t>2019-05-30</a:t>
+              <a:t>2019-05-31</a:t>
             </a:fld>
             <a:endParaRPr lang="ko-KR" altLang="en-US"/>
           </a:p>
@@ -4385,21 +4793,7 @@
                 <a:latin typeface="Arial" panose="020B0604020202020204" pitchFamily="34" charset="0"/>
                 <a:cs typeface="Arial" panose="020B0604020202020204" pitchFamily="34" charset="0"/>
               </a:rPr>
-              <a:t>2016-</a:t>
-            </a:r>
-            <a:r>
-              <a:rPr lang="en-US" altLang="ko-KR" sz="1400" b="1" dirty="0" smtClean="0">
-                <a:latin typeface="Arial" panose="020B0604020202020204" pitchFamily="34" charset="0"/>
-                <a:cs typeface="Arial" panose="020B0604020202020204" pitchFamily="34" charset="0"/>
-              </a:rPr>
-              <a:t>Optical Fiber Communications Conference and Exhibition</a:t>
-            </a:r>
-            <a:r>
-              <a:rPr lang="en-US" altLang="ko-KR" sz="1400" b="1" dirty="0" smtClean="0">
-                <a:latin typeface="Arial" panose="020B0604020202020204" pitchFamily="34" charset="0"/>
-                <a:cs typeface="Arial" panose="020B0604020202020204" pitchFamily="34" charset="0"/>
-              </a:rPr>
-              <a:t>-An Ultra compact 50:50 Coupler Based on </a:t>
+              <a:t>2016-Optical Fiber Communications Conference and Exhibition-An Ultra compact 50:50 Coupler Based on </a:t>
             </a:r>
             <a:r>
               <a:rPr lang="en-US" altLang="ko-KR" sz="1400" b="1" dirty="0" err="1" smtClean="0">
@@ -4457,44 +4851,6 @@
               </a:rPr>
               <a:t> Zhou, Deming Liu)</a:t>
             </a:r>
-            <a:endParaRPr lang="en-US" altLang="ko-KR" sz="1400" b="1" dirty="0" smtClean="0">
-              <a:latin typeface="Arial" panose="020B0604020202020204" pitchFamily="34" charset="0"/>
-              <a:cs typeface="Arial" panose="020B0604020202020204" pitchFamily="34" charset="0"/>
-            </a:endParaRPr>
-          </a:p>
-        </p:txBody>
-      </p:sp>
-      <p:sp>
-        <p:nvSpPr>
-          <p:cNvPr id="6" name="TextBox 5"/>
-          <p:cNvSpPr txBox="1"/>
-          <p:nvPr/>
-        </p:nvSpPr>
-        <p:spPr>
-          <a:xfrm>
-            <a:off x="0" y="584708"/>
-            <a:ext cx="5518612" cy="369332"/>
-          </a:xfrm>
-          <a:prstGeom prst="rect">
-            <a:avLst/>
-          </a:prstGeom>
-          <a:noFill/>
-        </p:spPr>
-        <p:txBody>
-          <a:bodyPr wrap="square" rtlCol="0">
-            <a:spAutoFit/>
-          </a:bodyPr>
-          <a:lstStyle/>
-          <a:p>
-            <a:r>
-              <a:rPr lang="en-US" altLang="ko-KR" dirty="0" err="1" smtClean="0"/>
-              <a:t>PhC</a:t>
-            </a:r>
-            <a:r>
-              <a:rPr lang="en-US" altLang="ko-KR" dirty="0" smtClean="0"/>
-              <a:t> like metamaterial: photonic-crystal-like metamaterial </a:t>
-            </a:r>
-            <a:endParaRPr lang="ko-KR" altLang="en-US" dirty="0"/>
           </a:p>
         </p:txBody>
       </p:sp>
@@ -4502,14 +4858,14 @@
         <mc:Choice xmlns:a14="http://schemas.microsoft.com/office/drawing/2010/main" Requires="a14">
           <p:sp>
             <p:nvSpPr>
-              <p:cNvPr id="7" name="TextBox 6"/>
+              <p:cNvPr id="6" name="TextBox 5"/>
               <p:cNvSpPr txBox="1"/>
               <p:nvPr/>
             </p:nvSpPr>
             <p:spPr>
               <a:xfrm>
-                <a:off x="0" y="954040"/>
-                <a:ext cx="5814156" cy="276999"/>
+                <a:off x="0" y="550486"/>
+                <a:ext cx="7880465" cy="1200329"/>
               </a:xfrm>
               <a:prstGeom prst="rect">
                 <a:avLst/>
@@ -4517,258 +4873,424 @@
               <a:noFill/>
             </p:spPr>
             <p:txBody>
-              <a:bodyPr wrap="none" lIns="0" tIns="0" rIns="0" bIns="0" rtlCol="0">
+              <a:bodyPr wrap="square" rtlCol="0">
                 <a:spAutoFit/>
               </a:bodyPr>
               <a:lstStyle/>
               <a:p>
+                <a:pPr marL="285750" indent="-285750">
+                  <a:buFontTx/>
+                  <a:buChar char="-"/>
+                </a:pPr>
+                <a:r>
+                  <a:rPr lang="en-US" altLang="ko-KR" dirty="0" smtClean="0"/>
+                  <a:t>PhC </a:t>
+                </a:r>
+                <a:r>
+                  <a:rPr lang="en-US" altLang="ko-KR" dirty="0" smtClean="0"/>
+                  <a:t>like metamaterial: </a:t>
+                </a:r>
+                <a:r>
+                  <a:rPr lang="en-US" altLang="ko-KR" b="1" dirty="0" smtClean="0"/>
+                  <a:t>Ph</a:t>
+                </a:r>
+                <a:r>
+                  <a:rPr lang="en-US" altLang="ko-KR" dirty="0" smtClean="0"/>
+                  <a:t>otonic-</a:t>
+                </a:r>
+                <a:r>
+                  <a:rPr lang="en-US" altLang="ko-KR" b="1" dirty="0" smtClean="0"/>
+                  <a:t>C</a:t>
+                </a:r>
+                <a:r>
+                  <a:rPr lang="en-US" altLang="ko-KR" dirty="0" smtClean="0"/>
+                  <a:t>rystal-like </a:t>
+                </a:r>
+                <a:r>
+                  <a:rPr lang="en-US" altLang="ko-KR" dirty="0" smtClean="0"/>
+                  <a:t>metamaterial </a:t>
+                </a:r>
+                <a:endParaRPr lang="en-US" altLang="ko-KR" dirty="0" smtClean="0"/>
+              </a:p>
+              <a:p>
+                <a:pPr marL="285750" indent="-285750">
+                  <a:buFontTx/>
+                  <a:buChar char="-"/>
+                </a:pPr>
                 <a14:m>
-                  <m:oMathPara xmlns:m="http://schemas.openxmlformats.org/officeDocument/2006/math">
-                    <m:oMathParaPr>
-                      <m:jc m:val="centerGroup"/>
-                    </m:oMathParaPr>
-                    <m:oMath xmlns:m="http://schemas.openxmlformats.org/officeDocument/2006/math">
-                      <m:r>
-                        <m:rPr>
-                          <m:sty m:val="p"/>
-                        </m:rPr>
-                        <a:rPr lang="en-US" altLang="ko-KR" b="0" i="0" smtClean="0">
-                          <a:latin typeface="Cambria Math" panose="02040503050406030204" pitchFamily="18" charset="0"/>
-                        </a:rPr>
-                        <m:t>FOM</m:t>
-                      </m:r>
-                      <m:r>
-                        <a:rPr lang="en-US" altLang="ko-KR" b="0" i="1" smtClean="0">
-                          <a:latin typeface="Cambria Math" panose="02040503050406030204" pitchFamily="18" charset="0"/>
-                        </a:rPr>
-                        <m:t>=1−</m:t>
-                      </m:r>
-                      <m:d>
-                        <m:dPr>
-                          <m:ctrlPr>
-                            <a:rPr lang="en-US" altLang="ko-KR" b="0" i="1" smtClean="0">
-                              <a:latin typeface="Cambria Math" panose="02040503050406030204" pitchFamily="18" charset="0"/>
-                            </a:rPr>
-                          </m:ctrlPr>
-                        </m:dPr>
-                        <m:e>
-                          <m:r>
-                            <a:rPr lang="en-US" altLang="ko-KR" b="0" i="1" smtClean="0">
-                              <a:latin typeface="Cambria Math" panose="02040503050406030204" pitchFamily="18" charset="0"/>
-                            </a:rPr>
-                            <m:t>1−</m:t>
-                          </m:r>
-                          <m:r>
-                            <a:rPr lang="en-US" altLang="ko-KR" b="0" i="1" smtClean="0">
-                              <a:latin typeface="Cambria Math" panose="02040503050406030204" pitchFamily="18" charset="0"/>
-                            </a:rPr>
-                            <m:t>𝛼</m:t>
-                          </m:r>
-                        </m:e>
-                      </m:d>
-                      <m:d>
-                        <m:dPr>
-                          <m:ctrlPr>
-                            <a:rPr lang="en-US" altLang="ko-KR" b="0" i="1" smtClean="0">
-                              <a:latin typeface="Cambria Math" panose="02040503050406030204" pitchFamily="18" charset="0"/>
-                            </a:rPr>
-                          </m:ctrlPr>
-                        </m:dPr>
-                        <m:e>
-                          <m:d>
-                            <m:dPr>
-                              <m:begChr m:val="|"/>
-                              <m:endChr m:val="|"/>
-                              <m:ctrlPr>
-                                <a:rPr lang="en-US" altLang="ko-KR" b="0" i="1" smtClean="0">
-                                  <a:latin typeface="Cambria Math" panose="02040503050406030204" pitchFamily="18" charset="0"/>
-                                </a:rPr>
-                              </m:ctrlPr>
-                            </m:dPr>
-                            <m:e>
-                              <m:sSub>
-                                <m:sSubPr>
-                                  <m:ctrlPr>
-                                    <a:rPr lang="en-US" altLang="ko-KR" b="0" i="1" smtClean="0">
-                                      <a:latin typeface="Cambria Math" panose="02040503050406030204" pitchFamily="18" charset="0"/>
-                                    </a:rPr>
-                                  </m:ctrlPr>
-                                </m:sSubPr>
-                                <m:e>
-                                  <m:r>
-                                    <a:rPr lang="en-US" altLang="ko-KR" b="0" i="1" smtClean="0">
-                                      <a:latin typeface="Cambria Math" panose="02040503050406030204" pitchFamily="18" charset="0"/>
-                                    </a:rPr>
-                                    <m:t>𝑡</m:t>
-                                  </m:r>
-                                </m:e>
-                                <m:sub>
-                                  <m:r>
-                                    <a:rPr lang="en-US" altLang="ko-KR" b="0" i="1" smtClean="0">
-                                      <a:latin typeface="Cambria Math" panose="02040503050406030204" pitchFamily="18" charset="0"/>
-                                    </a:rPr>
-                                    <m:t>1</m:t>
-                                  </m:r>
-                                </m:sub>
-                              </m:sSub>
-                              <m:r>
-                                <a:rPr lang="en-US" altLang="ko-KR" b="0" i="1" smtClean="0">
-                                  <a:latin typeface="Cambria Math" panose="02040503050406030204" pitchFamily="18" charset="0"/>
-                                </a:rPr>
-                                <m:t>−0.5</m:t>
-                              </m:r>
-                            </m:e>
-                          </m:d>
-                          <m:r>
-                            <a:rPr lang="en-US" altLang="ko-KR" b="0" i="1" smtClean="0">
-                              <a:latin typeface="Cambria Math" panose="02040503050406030204" pitchFamily="18" charset="0"/>
-                            </a:rPr>
-                            <m:t>+</m:t>
-                          </m:r>
-                          <m:d>
-                            <m:dPr>
-                              <m:begChr m:val="|"/>
-                              <m:endChr m:val="|"/>
-                              <m:ctrlPr>
-                                <a:rPr lang="en-US" altLang="ko-KR" b="0" i="1" smtClean="0">
-                                  <a:latin typeface="Cambria Math" panose="02040503050406030204" pitchFamily="18" charset="0"/>
-                                </a:rPr>
-                              </m:ctrlPr>
-                            </m:dPr>
-                            <m:e>
-                              <m:sSub>
-                                <m:sSubPr>
-                                  <m:ctrlPr>
-                                    <a:rPr lang="en-US" altLang="ko-KR" b="0" i="1" smtClean="0">
-                                      <a:latin typeface="Cambria Math" panose="02040503050406030204" pitchFamily="18" charset="0"/>
-                                    </a:rPr>
-                                  </m:ctrlPr>
-                                </m:sSubPr>
-                                <m:e>
-                                  <m:r>
-                                    <a:rPr lang="en-US" altLang="ko-KR" b="0" i="1" smtClean="0">
-                                      <a:latin typeface="Cambria Math" panose="02040503050406030204" pitchFamily="18" charset="0"/>
-                                    </a:rPr>
-                                    <m:t>𝑡</m:t>
-                                  </m:r>
-                                </m:e>
-                                <m:sub>
-                                  <m:r>
-                                    <a:rPr lang="en-US" altLang="ko-KR" b="0" i="1" smtClean="0">
-                                      <a:latin typeface="Cambria Math" panose="02040503050406030204" pitchFamily="18" charset="0"/>
-                                    </a:rPr>
-                                    <m:t>2</m:t>
-                                  </m:r>
-                                </m:sub>
-                              </m:sSub>
-                              <m:r>
-                                <a:rPr lang="en-US" altLang="ko-KR" b="0" i="1" smtClean="0">
-                                  <a:latin typeface="Cambria Math" panose="02040503050406030204" pitchFamily="18" charset="0"/>
-                                </a:rPr>
-                                <m:t>−0.5</m:t>
-                              </m:r>
-                            </m:e>
-                          </m:d>
-                        </m:e>
-                      </m:d>
-                      <m:r>
-                        <a:rPr lang="en-US" altLang="ko-KR" b="0" i="1" smtClean="0">
-                          <a:latin typeface="Cambria Math" panose="02040503050406030204" pitchFamily="18" charset="0"/>
-                        </a:rPr>
-                        <m:t>−</m:t>
-                      </m:r>
-                      <m:r>
-                        <a:rPr lang="en-US" altLang="ko-KR" b="0" i="1" smtClean="0">
-                          <a:latin typeface="Cambria Math" panose="02040503050406030204" pitchFamily="18" charset="0"/>
-                        </a:rPr>
-                        <m:t>𝛼</m:t>
-                      </m:r>
-                      <m:r>
-                        <a:rPr lang="en-US" altLang="ko-KR" b="0" i="1" smtClean="0">
-                          <a:latin typeface="Cambria Math" panose="02040503050406030204" pitchFamily="18" charset="0"/>
-                          <a:ea typeface="Cambria Math" panose="02040503050406030204" pitchFamily="18" charset="0"/>
-                        </a:rPr>
-                        <m:t>∙</m:t>
-                      </m:r>
-                      <m:d>
-                        <m:dPr>
-                          <m:begChr m:val="|"/>
-                          <m:endChr m:val="|"/>
-                          <m:ctrlPr>
-                            <a:rPr lang="en-US" altLang="ko-KR" b="0" i="1" smtClean="0">
-                              <a:latin typeface="Cambria Math" panose="02040503050406030204" pitchFamily="18" charset="0"/>
-                              <a:ea typeface="Cambria Math" panose="02040503050406030204" pitchFamily="18" charset="0"/>
-                            </a:rPr>
-                          </m:ctrlPr>
-                        </m:dPr>
-                        <m:e>
-                          <m:sSub>
-                            <m:sSubPr>
-                              <m:ctrlPr>
-                                <a:rPr lang="en-US" altLang="ko-KR" b="0" i="1" smtClean="0">
-                                  <a:latin typeface="Cambria Math" panose="02040503050406030204" pitchFamily="18" charset="0"/>
-                                  <a:ea typeface="Cambria Math" panose="02040503050406030204" pitchFamily="18" charset="0"/>
-                                </a:rPr>
-                              </m:ctrlPr>
-                            </m:sSubPr>
-                            <m:e>
-                              <m:r>
-                                <a:rPr lang="en-US" altLang="ko-KR" b="0" i="1" smtClean="0">
-                                  <a:latin typeface="Cambria Math" panose="02040503050406030204" pitchFamily="18" charset="0"/>
-                                  <a:ea typeface="Cambria Math" panose="02040503050406030204" pitchFamily="18" charset="0"/>
-                                </a:rPr>
-                                <m:t>𝑡</m:t>
-                              </m:r>
-                            </m:e>
-                            <m:sub>
-                              <m:r>
-                                <a:rPr lang="en-US" altLang="ko-KR" b="0" i="1" smtClean="0">
-                                  <a:latin typeface="Cambria Math" panose="02040503050406030204" pitchFamily="18" charset="0"/>
-                                  <a:ea typeface="Cambria Math" panose="02040503050406030204" pitchFamily="18" charset="0"/>
-                                </a:rPr>
-                                <m:t>1</m:t>
-                              </m:r>
-                            </m:sub>
-                          </m:sSub>
-                          <m:r>
-                            <a:rPr lang="en-US" altLang="ko-KR" b="0" i="1" smtClean="0">
-                              <a:latin typeface="Cambria Math" panose="02040503050406030204" pitchFamily="18" charset="0"/>
-                              <a:ea typeface="Cambria Math" panose="02040503050406030204" pitchFamily="18" charset="0"/>
-                            </a:rPr>
-                            <m:t>−</m:t>
-                          </m:r>
-                          <m:sSub>
-                            <m:sSubPr>
-                              <m:ctrlPr>
-                                <a:rPr lang="en-US" altLang="ko-KR" b="0" i="1" smtClean="0">
-                                  <a:latin typeface="Cambria Math" panose="02040503050406030204" pitchFamily="18" charset="0"/>
-                                  <a:ea typeface="Cambria Math" panose="02040503050406030204" pitchFamily="18" charset="0"/>
-                                </a:rPr>
-                              </m:ctrlPr>
-                            </m:sSubPr>
-                            <m:e>
-                              <m:r>
-                                <a:rPr lang="en-US" altLang="ko-KR" b="0" i="1" smtClean="0">
-                                  <a:latin typeface="Cambria Math" panose="02040503050406030204" pitchFamily="18" charset="0"/>
-                                  <a:ea typeface="Cambria Math" panose="02040503050406030204" pitchFamily="18" charset="0"/>
-                                </a:rPr>
-                                <m:t>𝑡</m:t>
-                              </m:r>
-                            </m:e>
-                            <m:sub>
-                              <m:r>
-                                <a:rPr lang="en-US" altLang="ko-KR" b="0" i="1" smtClean="0">
-                                  <a:latin typeface="Cambria Math" panose="02040503050406030204" pitchFamily="18" charset="0"/>
-                                  <a:ea typeface="Cambria Math" panose="02040503050406030204" pitchFamily="18" charset="0"/>
-                                </a:rPr>
-                                <m:t>2</m:t>
-                              </m:r>
-                            </m:sub>
-                          </m:sSub>
-                        </m:e>
-                      </m:d>
-                    </m:oMath>
-                  </m:oMathPara>
+                  <m:oMath xmlns:m="http://schemas.openxmlformats.org/officeDocument/2006/math">
+                    <m:r>
+                      <m:rPr>
+                        <m:sty m:val="p"/>
+                      </m:rPr>
+                      <a:rPr lang="en-US" altLang="ko-KR">
+                        <a:latin typeface="Cambria Math" panose="02040503050406030204" pitchFamily="18" charset="0"/>
+                      </a:rPr>
+                      <m:t>FOM</m:t>
+                    </m:r>
+                    <m:r>
+                      <a:rPr lang="en-US" altLang="ko-KR" i="1">
+                        <a:latin typeface="Cambria Math" panose="02040503050406030204" pitchFamily="18" charset="0"/>
+                      </a:rPr>
+                      <m:t>=1−</m:t>
+                    </m:r>
+                    <m:d>
+                      <m:dPr>
+                        <m:ctrlPr>
+                          <a:rPr lang="en-US" altLang="ko-KR" i="1">
+                            <a:latin typeface="Cambria Math" panose="02040503050406030204" pitchFamily="18" charset="0"/>
+                          </a:rPr>
+                        </m:ctrlPr>
+                      </m:dPr>
+                      <m:e>
+                        <m:r>
+                          <a:rPr lang="en-US" altLang="ko-KR" i="1">
+                            <a:latin typeface="Cambria Math" panose="02040503050406030204" pitchFamily="18" charset="0"/>
+                          </a:rPr>
+                          <m:t>1−</m:t>
+                        </m:r>
+                        <m:r>
+                          <a:rPr lang="en-US" altLang="ko-KR" i="1">
+                            <a:latin typeface="Cambria Math" panose="02040503050406030204" pitchFamily="18" charset="0"/>
+                          </a:rPr>
+                          <m:t>𝛼</m:t>
+                        </m:r>
+                      </m:e>
+                    </m:d>
+                    <m:d>
+                      <m:dPr>
+                        <m:ctrlPr>
+                          <a:rPr lang="en-US" altLang="ko-KR" i="1">
+                            <a:latin typeface="Cambria Math" panose="02040503050406030204" pitchFamily="18" charset="0"/>
+                          </a:rPr>
+                        </m:ctrlPr>
+                      </m:dPr>
+                      <m:e>
+                        <m:d>
+                          <m:dPr>
+                            <m:begChr m:val="|"/>
+                            <m:endChr m:val="|"/>
+                            <m:ctrlPr>
+                              <a:rPr lang="en-US" altLang="ko-KR" i="1">
+                                <a:latin typeface="Cambria Math" panose="02040503050406030204" pitchFamily="18" charset="0"/>
+                              </a:rPr>
+                            </m:ctrlPr>
+                          </m:dPr>
+                          <m:e>
+                            <m:sSub>
+                              <m:sSubPr>
+                                <m:ctrlPr>
+                                  <a:rPr lang="en-US" altLang="ko-KR" i="1">
+                                    <a:latin typeface="Cambria Math" panose="02040503050406030204" pitchFamily="18" charset="0"/>
+                                  </a:rPr>
+                                </m:ctrlPr>
+                              </m:sSubPr>
+                              <m:e>
+                                <m:r>
+                                  <a:rPr lang="en-US" altLang="ko-KR" i="1">
+                                    <a:latin typeface="Cambria Math" panose="02040503050406030204" pitchFamily="18" charset="0"/>
+                                  </a:rPr>
+                                  <m:t>𝑡</m:t>
+                                </m:r>
+                              </m:e>
+                              <m:sub>
+                                <m:r>
+                                  <a:rPr lang="en-US" altLang="ko-KR" i="1">
+                                    <a:latin typeface="Cambria Math" panose="02040503050406030204" pitchFamily="18" charset="0"/>
+                                  </a:rPr>
+                                  <m:t>1</m:t>
+                                </m:r>
+                              </m:sub>
+                            </m:sSub>
+                            <m:r>
+                              <a:rPr lang="en-US" altLang="ko-KR" i="1">
+                                <a:latin typeface="Cambria Math" panose="02040503050406030204" pitchFamily="18" charset="0"/>
+                              </a:rPr>
+                              <m:t>−0.5</m:t>
+                            </m:r>
+                          </m:e>
+                        </m:d>
+                        <m:r>
+                          <a:rPr lang="en-US" altLang="ko-KR" i="1">
+                            <a:latin typeface="Cambria Math" panose="02040503050406030204" pitchFamily="18" charset="0"/>
+                          </a:rPr>
+                          <m:t>+</m:t>
+                        </m:r>
+                        <m:d>
+                          <m:dPr>
+                            <m:begChr m:val="|"/>
+                            <m:endChr m:val="|"/>
+                            <m:ctrlPr>
+                              <a:rPr lang="en-US" altLang="ko-KR" i="1">
+                                <a:latin typeface="Cambria Math" panose="02040503050406030204" pitchFamily="18" charset="0"/>
+                              </a:rPr>
+                            </m:ctrlPr>
+                          </m:dPr>
+                          <m:e>
+                            <m:sSub>
+                              <m:sSubPr>
+                                <m:ctrlPr>
+                                  <a:rPr lang="en-US" altLang="ko-KR" i="1">
+                                    <a:latin typeface="Cambria Math" panose="02040503050406030204" pitchFamily="18" charset="0"/>
+                                  </a:rPr>
+                                </m:ctrlPr>
+                              </m:sSubPr>
+                              <m:e>
+                                <m:r>
+                                  <a:rPr lang="en-US" altLang="ko-KR" i="1">
+                                    <a:latin typeface="Cambria Math" panose="02040503050406030204" pitchFamily="18" charset="0"/>
+                                  </a:rPr>
+                                  <m:t>𝑡</m:t>
+                                </m:r>
+                              </m:e>
+                              <m:sub>
+                                <m:r>
+                                  <a:rPr lang="en-US" altLang="ko-KR" i="1">
+                                    <a:latin typeface="Cambria Math" panose="02040503050406030204" pitchFamily="18" charset="0"/>
+                                  </a:rPr>
+                                  <m:t>2</m:t>
+                                </m:r>
+                              </m:sub>
+                            </m:sSub>
+                            <m:r>
+                              <a:rPr lang="en-US" altLang="ko-KR" i="1">
+                                <a:latin typeface="Cambria Math" panose="02040503050406030204" pitchFamily="18" charset="0"/>
+                              </a:rPr>
+                              <m:t>−0.5</m:t>
+                            </m:r>
+                          </m:e>
+                        </m:d>
+                      </m:e>
+                    </m:d>
+                    <m:r>
+                      <a:rPr lang="en-US" altLang="ko-KR" i="1">
+                        <a:latin typeface="Cambria Math" panose="02040503050406030204" pitchFamily="18" charset="0"/>
+                      </a:rPr>
+                      <m:t>−</m:t>
+                    </m:r>
+                    <m:r>
+                      <a:rPr lang="en-US" altLang="ko-KR" i="1">
+                        <a:latin typeface="Cambria Math" panose="02040503050406030204" pitchFamily="18" charset="0"/>
+                      </a:rPr>
+                      <m:t>𝛼</m:t>
+                    </m:r>
+                    <m:r>
+                      <a:rPr lang="en-US" altLang="ko-KR" i="1">
+                        <a:latin typeface="Cambria Math" panose="02040503050406030204" pitchFamily="18" charset="0"/>
+                        <a:ea typeface="Cambria Math" panose="02040503050406030204" pitchFamily="18" charset="0"/>
+                      </a:rPr>
+                      <m:t>∙</m:t>
+                    </m:r>
+                    <m:d>
+                      <m:dPr>
+                        <m:begChr m:val="|"/>
+                        <m:endChr m:val="|"/>
+                        <m:ctrlPr>
+                          <a:rPr lang="en-US" altLang="ko-KR" i="1">
+                            <a:latin typeface="Cambria Math" panose="02040503050406030204" pitchFamily="18" charset="0"/>
+                            <a:ea typeface="Cambria Math" panose="02040503050406030204" pitchFamily="18" charset="0"/>
+                          </a:rPr>
+                        </m:ctrlPr>
+                      </m:dPr>
+                      <m:e>
+                        <m:sSub>
+                          <m:sSubPr>
+                            <m:ctrlPr>
+                              <a:rPr lang="en-US" altLang="ko-KR" i="1">
+                                <a:latin typeface="Cambria Math" panose="02040503050406030204" pitchFamily="18" charset="0"/>
+                                <a:ea typeface="Cambria Math" panose="02040503050406030204" pitchFamily="18" charset="0"/>
+                              </a:rPr>
+                            </m:ctrlPr>
+                          </m:sSubPr>
+                          <m:e>
+                            <m:r>
+                              <a:rPr lang="en-US" altLang="ko-KR" i="1">
+                                <a:latin typeface="Cambria Math" panose="02040503050406030204" pitchFamily="18" charset="0"/>
+                                <a:ea typeface="Cambria Math" panose="02040503050406030204" pitchFamily="18" charset="0"/>
+                              </a:rPr>
+                              <m:t>𝑡</m:t>
+                            </m:r>
+                          </m:e>
+                          <m:sub>
+                            <m:r>
+                              <a:rPr lang="en-US" altLang="ko-KR" i="1">
+                                <a:latin typeface="Cambria Math" panose="02040503050406030204" pitchFamily="18" charset="0"/>
+                                <a:ea typeface="Cambria Math" panose="02040503050406030204" pitchFamily="18" charset="0"/>
+                              </a:rPr>
+                              <m:t>1</m:t>
+                            </m:r>
+                          </m:sub>
+                        </m:sSub>
+                        <m:r>
+                          <a:rPr lang="en-US" altLang="ko-KR" i="1">
+                            <a:latin typeface="Cambria Math" panose="02040503050406030204" pitchFamily="18" charset="0"/>
+                            <a:ea typeface="Cambria Math" panose="02040503050406030204" pitchFamily="18" charset="0"/>
+                          </a:rPr>
+                          <m:t>−</m:t>
+                        </m:r>
+                        <m:sSub>
+                          <m:sSubPr>
+                            <m:ctrlPr>
+                              <a:rPr lang="en-US" altLang="ko-KR" i="1">
+                                <a:latin typeface="Cambria Math" panose="02040503050406030204" pitchFamily="18" charset="0"/>
+                                <a:ea typeface="Cambria Math" panose="02040503050406030204" pitchFamily="18" charset="0"/>
+                              </a:rPr>
+                            </m:ctrlPr>
+                          </m:sSubPr>
+                          <m:e>
+                            <m:r>
+                              <a:rPr lang="en-US" altLang="ko-KR" i="1">
+                                <a:latin typeface="Cambria Math" panose="02040503050406030204" pitchFamily="18" charset="0"/>
+                                <a:ea typeface="Cambria Math" panose="02040503050406030204" pitchFamily="18" charset="0"/>
+                              </a:rPr>
+                              <m:t>𝑡</m:t>
+                            </m:r>
+                          </m:e>
+                          <m:sub>
+                            <m:r>
+                              <a:rPr lang="en-US" altLang="ko-KR" i="1">
+                                <a:latin typeface="Cambria Math" panose="02040503050406030204" pitchFamily="18" charset="0"/>
+                                <a:ea typeface="Cambria Math" panose="02040503050406030204" pitchFamily="18" charset="0"/>
+                              </a:rPr>
+                              <m:t>2</m:t>
+                            </m:r>
+                          </m:sub>
+                        </m:sSub>
+                      </m:e>
+                    </m:d>
+                  </m:oMath>
+                </a14:m>
+                <a:r>
+                  <a:rPr lang="en-US" altLang="ko-KR" dirty="0"/>
+                  <a:t>, Set to </a:t>
+                </a:r>
+                <a14:m>
+                  <m:oMath xmlns:m="http://schemas.openxmlformats.org/officeDocument/2006/math">
+                    <m:r>
+                      <a:rPr lang="en-US" altLang="ko-KR" i="1">
+                        <a:latin typeface="Cambria Math" panose="02040503050406030204" pitchFamily="18" charset="0"/>
+                      </a:rPr>
+                      <m:t>𝛼</m:t>
+                    </m:r>
+                    <m:r>
+                      <a:rPr lang="en-US" altLang="ko-KR" i="1">
+                        <a:latin typeface="Cambria Math" panose="02040503050406030204" pitchFamily="18" charset="0"/>
+                      </a:rPr>
+                      <m:t>=0</m:t>
+                    </m:r>
+                  </m:oMath>
+                </a14:m>
+                <a:endParaRPr lang="en-US" altLang="ko-KR" dirty="0" smtClean="0"/>
+              </a:p>
+              <a:p>
+                <a:pPr marL="285750" indent="-285750">
+                  <a:buFontTx/>
+                  <a:buChar char="-"/>
+                </a:pPr>
+                <a:r>
+                  <a:rPr lang="en-US" altLang="ko-KR" dirty="0"/>
+                  <a:t>2.6 </a:t>
+                </a:r>
+                <a14:m>
+                  <m:oMath xmlns:m="http://schemas.openxmlformats.org/officeDocument/2006/math">
+                    <m:r>
+                      <m:rPr>
+                        <m:sty m:val="p"/>
+                      </m:rPr>
+                      <a:rPr lang="en-US" altLang="ko-KR" b="0" i="0" smtClean="0">
+                        <a:latin typeface="Cambria Math" panose="02040503050406030204" pitchFamily="18" charset="0"/>
+                      </a:rPr>
+                      <m:t>μm</m:t>
+                    </m:r>
+                  </m:oMath>
+                </a14:m>
+                <a:r>
+                  <a:rPr lang="en-US" altLang="ko-KR" dirty="0" smtClean="0"/>
+                  <a:t> x </a:t>
+                </a:r>
+                <a:r>
+                  <a:rPr lang="en-US" altLang="ko-KR" dirty="0"/>
+                  <a:t>2.6 </a:t>
+                </a:r>
+                <a14:m>
+                  <m:oMath xmlns:m="http://schemas.openxmlformats.org/officeDocument/2006/math">
+                    <m:r>
+                      <m:rPr>
+                        <m:sty m:val="p"/>
+                      </m:rPr>
+                      <a:rPr lang="en-US" altLang="ko-KR">
+                        <a:latin typeface="Cambria Math" panose="02040503050406030204" pitchFamily="18" charset="0"/>
+                      </a:rPr>
+                      <m:t>μm</m:t>
+                    </m:r>
+                  </m:oMath>
+                </a14:m>
+                <a:r>
+                  <a:rPr lang="en-US" altLang="ko-KR" dirty="0" smtClean="0"/>
+                  <a:t> design region</a:t>
+                </a:r>
+                <a:endParaRPr lang="en-US" altLang="ko-KR" dirty="0"/>
+              </a:p>
+              <a:p>
+                <a:pPr marL="285750" indent="-285750">
+                  <a:buFontTx/>
+                  <a:buChar char="-"/>
+                </a:pPr>
+                <a:r>
+                  <a:rPr lang="en-US" altLang="ko-KR" dirty="0"/>
+                  <a:t>20 x 20 pixels with 130 </a:t>
+                </a:r>
+                <a14:m>
+                  <m:oMath xmlns:m="http://schemas.openxmlformats.org/officeDocument/2006/math">
+                    <m:r>
+                      <m:rPr>
+                        <m:sty m:val="p"/>
+                      </m:rPr>
+                      <a:rPr lang="en-US" altLang="ko-KR" dirty="0" smtClean="0">
+                        <a:latin typeface="Cambria Math" panose="02040503050406030204" pitchFamily="18" charset="0"/>
+                      </a:rPr>
+                      <m:t>n</m:t>
+                    </m:r>
+                    <m:r>
+                      <m:rPr>
+                        <m:sty m:val="p"/>
+                      </m:rPr>
+                      <a:rPr lang="en-US" altLang="ko-KR">
+                        <a:latin typeface="Cambria Math" panose="02040503050406030204" pitchFamily="18" charset="0"/>
+                      </a:rPr>
+                      <m:t>m</m:t>
+                    </m:r>
+                  </m:oMath>
+                </a14:m>
+                <a:r>
+                  <a:rPr lang="en-US" altLang="ko-KR" dirty="0"/>
+                  <a:t> x </a:t>
+                </a:r>
+                <a:r>
+                  <a:rPr lang="en-US" altLang="ko-KR" dirty="0" smtClean="0"/>
+                  <a:t>130 </a:t>
+                </a:r>
+                <a14:m>
+                  <m:oMath xmlns:m="http://schemas.openxmlformats.org/officeDocument/2006/math">
+                    <m:r>
+                      <m:rPr>
+                        <m:sty m:val="p"/>
+                      </m:rPr>
+                      <a:rPr lang="en-US" altLang="ko-KR" dirty="0" smtClean="0">
+                        <a:latin typeface="Cambria Math" panose="02040503050406030204" pitchFamily="18" charset="0"/>
+                      </a:rPr>
+                      <m:t>n</m:t>
+                    </m:r>
+                    <m:r>
+                      <m:rPr>
+                        <m:sty m:val="p"/>
+                      </m:rPr>
+                      <a:rPr lang="en-US" altLang="ko-KR">
+                        <a:latin typeface="Cambria Math" panose="02040503050406030204" pitchFamily="18" charset="0"/>
+                      </a:rPr>
+                      <m:t>m</m:t>
+                    </m:r>
+                  </m:oMath>
                 </a14:m>
                 <a:endParaRPr lang="ko-KR" altLang="en-US" dirty="0"/>
               </a:p>
@@ -4778,7 +5300,7 @@
         <mc:Fallback>
           <p:sp>
             <p:nvSpPr>
-              <p:cNvPr id="7" name="TextBox 6"/>
+              <p:cNvPr id="6" name="TextBox 5"/>
               <p:cNvSpPr txBox="1">
                 <a:spLocks noRot="1" noChangeAspect="1" noMove="1" noResize="1" noEditPoints="1" noAdjustHandles="1" noChangeArrowheads="1" noChangeShapeType="1" noTextEdit="1"/>
               </p:cNvSpPr>
@@ -4786,8 +5308,8 @@
             </p:nvSpPr>
             <p:spPr>
               <a:xfrm>
-                <a:off x="0" y="954040"/>
-                <a:ext cx="5814156" cy="276999"/>
+                <a:off x="0" y="550486"/>
+                <a:ext cx="7880465" cy="1200329"/>
               </a:xfrm>
               <a:prstGeom prst="rect">
                 <a:avLst/>
@@ -4795,7 +5317,7 @@
               <a:blipFill>
                 <a:blip r:embed="rId3"/>
                 <a:stretch>
-                  <a:fillRect b="-15556"/>
+                  <a:fillRect l="-619" t="-2538" b="-7107"/>
                 </a:stretch>
               </a:blipFill>
             </p:spPr>
@@ -4830,7 +5352,7 @@
         </p:blipFill>
         <p:spPr>
           <a:xfrm>
-            <a:off x="1473258" y="3354223"/>
+            <a:off x="1473258" y="3793881"/>
             <a:ext cx="6197484" cy="2076644"/>
           </a:xfrm>
           <a:prstGeom prst="rect">
@@ -4853,7 +5375,7 @@
         </p:blipFill>
         <p:spPr>
           <a:xfrm>
-            <a:off x="1937731" y="1384861"/>
+            <a:off x="1937731" y="1824519"/>
             <a:ext cx="5268538" cy="1815540"/>
           </a:xfrm>
           <a:prstGeom prst="rect">
@@ -4869,7 +5391,7 @@
         </p:nvSpPr>
         <p:spPr>
           <a:xfrm>
-            <a:off x="2431646" y="3077224"/>
+            <a:off x="2431646" y="3516882"/>
             <a:ext cx="655320" cy="261610"/>
           </a:xfrm>
           <a:prstGeom prst="rect">
@@ -4907,7 +5429,7 @@
         </p:nvSpPr>
         <p:spPr>
           <a:xfrm>
-            <a:off x="3314700" y="3077224"/>
+            <a:off x="3314700" y="3516882"/>
             <a:ext cx="822960" cy="261610"/>
           </a:xfrm>
           <a:prstGeom prst="rect">
@@ -4937,7 +5459,7 @@
         </p:nvSpPr>
         <p:spPr>
           <a:xfrm>
-            <a:off x="6457950" y="1546306"/>
+            <a:off x="6457950" y="1985964"/>
             <a:ext cx="655320" cy="261610"/>
           </a:xfrm>
           <a:prstGeom prst="rect">
@@ -4975,7 +5497,7 @@
         </p:nvSpPr>
         <p:spPr>
           <a:xfrm>
-            <a:off x="5308542" y="1369538"/>
+            <a:off x="5308542" y="1809196"/>
             <a:ext cx="822960" cy="261610"/>
           </a:xfrm>
           <a:prstGeom prst="rect">
@@ -5001,14 +5523,14 @@
         <mc:Choice xmlns:a14="http://schemas.microsoft.com/office/drawing/2010/main" Requires="a14">
           <p:sp>
             <p:nvSpPr>
-              <p:cNvPr id="43" name="TextBox 42"/>
+              <p:cNvPr id="4" name="TextBox 3"/>
               <p:cNvSpPr txBox="1"/>
               <p:nvPr/>
             </p:nvSpPr>
             <p:spPr>
               <a:xfrm>
-                <a:off x="5612226" y="907873"/>
-                <a:ext cx="1501044" cy="369332"/>
+                <a:off x="5468528" y="5128756"/>
+                <a:ext cx="2043060" cy="184666"/>
               </a:xfrm>
               <a:prstGeom prst="rect">
                 <a:avLst/>
@@ -5016,32 +5538,102 @@
               <a:noFill/>
             </p:spPr>
             <p:txBody>
-              <a:bodyPr wrap="square" rtlCol="0">
+              <a:bodyPr wrap="none" lIns="0" tIns="0" rIns="0" bIns="0" rtlCol="0">
                 <a:spAutoFit/>
               </a:bodyPr>
               <a:lstStyle/>
               <a:p>
-                <a:r>
-                  <a:rPr lang="en-US" altLang="ko-KR" dirty="0" smtClean="0"/>
-                  <a:t>, Set to </a:t>
-                </a:r>
                 <a14:m>
-                  <m:oMath xmlns:m="http://schemas.openxmlformats.org/officeDocument/2006/math">
-                    <m:r>
-                      <a:rPr lang="en-US" altLang="ko-KR" b="0" i="1" smtClean="0">
-                        <a:latin typeface="Cambria Math" panose="02040503050406030204" pitchFamily="18" charset="0"/>
-                      </a:rPr>
-                      <m:t>𝛼</m:t>
-                    </m:r>
-                    <m:r>
-                      <a:rPr lang="en-US" altLang="ko-KR" b="0" i="1" smtClean="0">
-                        <a:latin typeface="Cambria Math" panose="02040503050406030204" pitchFamily="18" charset="0"/>
-                      </a:rPr>
-                      <m:t>=0</m:t>
-                    </m:r>
-                  </m:oMath>
+                  <m:oMathPara xmlns:m="http://schemas.openxmlformats.org/officeDocument/2006/math">
+                    <m:oMathParaPr>
+                      <m:jc m:val="centerGroup"/>
+                    </m:oMathParaPr>
+                    <m:oMath xmlns:m="http://schemas.openxmlformats.org/officeDocument/2006/math">
+                      <m:r>
+                        <m:rPr>
+                          <m:sty m:val="p"/>
+                        </m:rPr>
+                        <a:rPr lang="en-US" altLang="ko-KR" sz="1200" b="0" i="0" smtClean="0">
+                          <a:latin typeface="Cambria Math" panose="02040503050406030204" pitchFamily="18" charset="0"/>
+                        </a:rPr>
+                        <m:t>Insertion</m:t>
+                      </m:r>
+                      <m:r>
+                        <a:rPr lang="en-US" altLang="ko-KR" sz="1200" b="0" i="0" smtClean="0">
+                          <a:latin typeface="Cambria Math" panose="02040503050406030204" pitchFamily="18" charset="0"/>
+                        </a:rPr>
+                        <m:t> </m:t>
+                      </m:r>
+                      <m:r>
+                        <m:rPr>
+                          <m:sty m:val="p"/>
+                        </m:rPr>
+                        <a:rPr lang="en-US" altLang="ko-KR" sz="1200" b="0" i="0" smtClean="0">
+                          <a:latin typeface="Cambria Math" panose="02040503050406030204" pitchFamily="18" charset="0"/>
+                        </a:rPr>
+                        <m:t>Loss</m:t>
+                      </m:r>
+                      <m:r>
+                        <a:rPr lang="en-US" altLang="ko-KR" sz="1200" b="0" i="1" smtClean="0">
+                          <a:latin typeface="Cambria Math" panose="02040503050406030204" pitchFamily="18" charset="0"/>
+                        </a:rPr>
+                        <m:t>=−10</m:t>
+                      </m:r>
+                      <m:func>
+                        <m:funcPr>
+                          <m:ctrlPr>
+                            <a:rPr lang="en-US" altLang="ko-KR" sz="1200" b="0" i="1" smtClean="0">
+                              <a:latin typeface="Cambria Math" panose="02040503050406030204" pitchFamily="18" charset="0"/>
+                            </a:rPr>
+                          </m:ctrlPr>
+                        </m:funcPr>
+                        <m:fName>
+                          <m:r>
+                            <m:rPr>
+                              <m:sty m:val="p"/>
+                            </m:rPr>
+                            <a:rPr lang="en-US" altLang="ko-KR" sz="1200" b="0" i="0" smtClean="0">
+                              <a:latin typeface="Cambria Math" panose="02040503050406030204" pitchFamily="18" charset="0"/>
+                            </a:rPr>
+                            <m:t>log</m:t>
+                          </m:r>
+                        </m:fName>
+                        <m:e>
+                          <m:d>
+                            <m:dPr>
+                              <m:ctrlPr>
+                                <a:rPr lang="en-US" altLang="ko-KR" sz="1200" b="0" i="1" smtClean="0">
+                                  <a:latin typeface="Cambria Math" panose="02040503050406030204" pitchFamily="18" charset="0"/>
+                                </a:rPr>
+                              </m:ctrlPr>
+                            </m:dPr>
+                            <m:e>
+                              <m:r>
+                                <a:rPr lang="en-US" altLang="ko-KR" sz="1200" b="0" i="1" smtClean="0">
+                                  <a:latin typeface="Cambria Math" panose="02040503050406030204" pitchFamily="18" charset="0"/>
+                                </a:rPr>
+                                <m:t>𝑡</m:t>
+                              </m:r>
+                              <m:r>
+                                <a:rPr lang="en-US" altLang="ko-KR" sz="1200" b="0" i="1" smtClean="0">
+                                  <a:latin typeface="Cambria Math" panose="02040503050406030204" pitchFamily="18" charset="0"/>
+                                </a:rPr>
+                                <m:t>/</m:t>
+                              </m:r>
+                              <m:r>
+                                <a:rPr lang="en-US" altLang="ko-KR" sz="1200" b="0" i="1" smtClean="0">
+                                  <a:latin typeface="Cambria Math" panose="02040503050406030204" pitchFamily="18" charset="0"/>
+                                </a:rPr>
+                                <m:t>𝑇</m:t>
+                              </m:r>
+                            </m:e>
+                          </m:d>
+                        </m:e>
+                      </m:func>
+                    </m:oMath>
+                  </m:oMathPara>
                 </a14:m>
-                <a:endParaRPr lang="ko-KR" altLang="en-US" dirty="0"/>
+                <a:endParaRPr lang="ko-KR" altLang="en-US" sz="1200" dirty="0"/>
               </a:p>
             </p:txBody>
           </p:sp>
@@ -5049,7 +5641,7 @@
         <mc:Fallback>
           <p:sp>
             <p:nvSpPr>
-              <p:cNvPr id="43" name="TextBox 42"/>
+              <p:cNvPr id="4" name="TextBox 3"/>
               <p:cNvSpPr txBox="1">
                 <a:spLocks noRot="1" noChangeAspect="1" noMove="1" noResize="1" noEditPoints="1" noAdjustHandles="1" noChangeArrowheads="1" noChangeShapeType="1" noTextEdit="1"/>
               </p:cNvSpPr>
@@ -5057,8 +5649,8 @@
             </p:nvSpPr>
             <p:spPr>
               <a:xfrm>
-                <a:off x="5612226" y="907873"/>
-                <a:ext cx="1501044" cy="369332"/>
+                <a:off x="5468528" y="5128756"/>
+                <a:ext cx="2043060" cy="184666"/>
               </a:xfrm>
               <a:prstGeom prst="rect">
                 <a:avLst/>
@@ -5066,7 +5658,7 @@
               <a:blipFill>
                 <a:blip r:embed="rId6"/>
                 <a:stretch>
-                  <a:fillRect l="-3659" t="-9836" b="-24590"/>
+                  <a:fillRect l="-1493" t="-3226" b="-29032"/>
                 </a:stretch>
               </a:blipFill>
             </p:spPr>
@@ -5139,7 +5731,7 @@
           <a:p>
             <a:fld id="{32C03489-23FC-4021-B9AB-958EFB3C0FE7}" type="datetime1">
               <a:rPr lang="ko-KR" altLang="en-US" smtClean="0"/>
-              <a:t>2019-05-30</a:t>
+              <a:t>2019-05-31</a:t>
             </a:fld>
             <a:endParaRPr lang="ko-KR" altLang="en-US"/>
           </a:p>
@@ -5195,21 +5787,7 @@
                 <a:latin typeface="Arial" panose="020B0604020202020204" pitchFamily="34" charset="0"/>
                 <a:cs typeface="Arial" panose="020B0604020202020204" pitchFamily="34" charset="0"/>
               </a:rPr>
-              <a:t>2019-</a:t>
-            </a:r>
-            <a:r>
-              <a:rPr lang="en-US" altLang="ko-KR" sz="1400" b="1" dirty="0" smtClean="0">
-                <a:latin typeface="Arial" panose="020B0604020202020204" pitchFamily="34" charset="0"/>
-                <a:cs typeface="Arial" panose="020B0604020202020204" pitchFamily="34" charset="0"/>
-              </a:rPr>
-              <a:t>Scientific Reports</a:t>
-            </a:r>
-            <a:r>
-              <a:rPr lang="en-US" altLang="ko-KR" sz="1400" b="1" dirty="0" smtClean="0">
-                <a:latin typeface="Arial" panose="020B0604020202020204" pitchFamily="34" charset="0"/>
-                <a:cs typeface="Arial" panose="020B0604020202020204" pitchFamily="34" charset="0"/>
-              </a:rPr>
-              <a:t>-9, 1368-Deep Neural Network Inverse Design of Integrated Photonic Power Splitters (Mohammad H. </a:t>
+              <a:t>2019-Scientific Reports-9, 1368-Deep Neural Network Inverse Design of Integrated Photonic Power Splitters (Mohammad H. </a:t>
             </a:r>
             <a:r>
               <a:rPr lang="en-US" altLang="ko-KR" sz="1400" b="1" dirty="0" err="1" smtClean="0">
@@ -5293,19 +5871,8 @@
                 <a:latin typeface="Arial" panose="020B0604020202020204" pitchFamily="34" charset="0"/>
                 <a:cs typeface="Arial" panose="020B0604020202020204" pitchFamily="34" charset="0"/>
               </a:rPr>
-              <a:t> Lin, Kieran Parsons</a:t>
-            </a:r>
-            <a:r>
-              <a:rPr lang="en-US" altLang="ko-KR" sz="1400" b="1" dirty="0" smtClean="0">
-                <a:latin typeface="Arial" panose="020B0604020202020204" pitchFamily="34" charset="0"/>
-                <a:cs typeface="Arial" panose="020B0604020202020204" pitchFamily="34" charset="0"/>
-              </a:rPr>
-              <a:t>)</a:t>
-            </a:r>
-            <a:endParaRPr lang="en-US" altLang="ko-KR" sz="1400" b="1" dirty="0" smtClean="0">
-              <a:latin typeface="Arial" panose="020B0604020202020204" pitchFamily="34" charset="0"/>
-              <a:cs typeface="Arial" panose="020B0604020202020204" pitchFamily="34" charset="0"/>
-            </a:endParaRPr>
+              <a:t> Lin, Kieran Parsons)</a:t>
+            </a:r>
           </a:p>
         </p:txBody>
       </p:sp>
@@ -5325,7 +5892,7 @@
         </p:blipFill>
         <p:spPr>
           <a:xfrm>
-            <a:off x="395287" y="1376363"/>
+            <a:off x="4684655" y="542628"/>
             <a:ext cx="2708945" cy="1462088"/>
           </a:xfrm>
           <a:prstGeom prst="rect">
@@ -5349,7 +5916,7 @@
         </p:blipFill>
         <p:spPr>
           <a:xfrm>
-            <a:off x="3733916" y="1128712"/>
+            <a:off x="2086033" y="2078059"/>
             <a:ext cx="4971934" cy="4414838"/>
           </a:xfrm>
           <a:prstGeom prst="rect">
@@ -5357,36 +5924,178 @@
           </a:prstGeom>
         </p:spPr>
       </p:pic>
-      <p:sp>
-        <p:nvSpPr>
-          <p:cNvPr id="9" name="TextBox 8"/>
-          <p:cNvSpPr txBox="1"/>
-          <p:nvPr/>
-        </p:nvSpPr>
-        <p:spPr>
-          <a:xfrm>
-            <a:off x="0" y="812007"/>
-            <a:ext cx="5518612" cy="369332"/>
-          </a:xfrm>
-          <a:prstGeom prst="rect">
-            <a:avLst/>
-          </a:prstGeom>
-          <a:noFill/>
-        </p:spPr>
-        <p:txBody>
-          <a:bodyPr wrap="square" rtlCol="0">
-            <a:spAutoFit/>
-          </a:bodyPr>
-          <a:lstStyle/>
-          <a:p>
-            <a:r>
-              <a:rPr lang="en-US" altLang="ko-KR" dirty="0" smtClean="0"/>
-              <a:t>SOI: silicon-on-insulator</a:t>
-            </a:r>
-            <a:endParaRPr lang="ko-KR" altLang="en-US" dirty="0"/>
-          </a:p>
-        </p:txBody>
-      </p:sp>
+      <mc:AlternateContent xmlns:mc="http://schemas.openxmlformats.org/markup-compatibility/2006">
+        <mc:Choice xmlns:a14="http://schemas.microsoft.com/office/drawing/2010/main" Requires="a14">
+          <p:sp>
+            <p:nvSpPr>
+              <p:cNvPr id="9" name="TextBox 8"/>
+              <p:cNvSpPr txBox="1"/>
+              <p:nvPr/>
+            </p:nvSpPr>
+            <p:spPr>
+              <a:xfrm>
+                <a:off x="0" y="812007"/>
+                <a:ext cx="3998422" cy="923330"/>
+              </a:xfrm>
+              <a:prstGeom prst="rect">
+                <a:avLst/>
+              </a:prstGeom>
+              <a:noFill/>
+            </p:spPr>
+            <p:txBody>
+              <a:bodyPr wrap="square" rtlCol="0">
+                <a:spAutoFit/>
+              </a:bodyPr>
+              <a:lstStyle/>
+              <a:p>
+                <a:pPr marL="285750" indent="-285750">
+                  <a:buFontTx/>
+                  <a:buChar char="-"/>
+                </a:pPr>
+                <a:r>
+                  <a:rPr lang="en-US" altLang="ko-KR" dirty="0" smtClean="0"/>
+                  <a:t>SOI</a:t>
+                </a:r>
+                <a:r>
+                  <a:rPr lang="en-US" altLang="ko-KR" dirty="0" smtClean="0"/>
+                  <a:t>: </a:t>
+                </a:r>
+                <a:r>
+                  <a:rPr lang="en-US" altLang="ko-KR" dirty="0" smtClean="0"/>
+                  <a:t>silicon-on-insulator</a:t>
+                </a:r>
+              </a:p>
+              <a:p>
+                <a:pPr marL="285750" indent="-285750">
+                  <a:buFontTx/>
+                  <a:buChar char="-"/>
+                </a:pPr>
+                <a:r>
+                  <a:rPr lang="en-US" altLang="ko-KR" dirty="0"/>
+                  <a:t>2.6 </a:t>
+                </a:r>
+                <a14:m>
+                  <m:oMath xmlns:m="http://schemas.openxmlformats.org/officeDocument/2006/math">
+                    <m:r>
+                      <m:rPr>
+                        <m:sty m:val="p"/>
+                      </m:rPr>
+                      <a:rPr lang="en-US" altLang="ko-KR">
+                        <a:latin typeface="Cambria Math" panose="02040503050406030204" pitchFamily="18" charset="0"/>
+                      </a:rPr>
+                      <m:t>μm</m:t>
+                    </m:r>
+                  </m:oMath>
+                </a14:m>
+                <a:r>
+                  <a:rPr lang="en-US" altLang="ko-KR" dirty="0"/>
+                  <a:t> x </a:t>
+                </a:r>
+                <a:r>
+                  <a:rPr lang="en-US" altLang="ko-KR" dirty="0"/>
+                  <a:t>2.6 </a:t>
+                </a:r>
+                <a14:m>
+                  <m:oMath xmlns:m="http://schemas.openxmlformats.org/officeDocument/2006/math">
+                    <m:r>
+                      <m:rPr>
+                        <m:sty m:val="p"/>
+                      </m:rPr>
+                      <a:rPr lang="en-US" altLang="ko-KR">
+                        <a:latin typeface="Cambria Math" panose="02040503050406030204" pitchFamily="18" charset="0"/>
+                      </a:rPr>
+                      <m:t>μm</m:t>
+                    </m:r>
+                  </m:oMath>
+                </a14:m>
+                <a:r>
+                  <a:rPr lang="en-US" altLang="ko-KR" dirty="0"/>
+                  <a:t> </a:t>
+                </a:r>
+                <a:r>
+                  <a:rPr lang="en-US" altLang="ko-KR" dirty="0" smtClean="0"/>
+                  <a:t>design region</a:t>
+                </a:r>
+              </a:p>
+              <a:p>
+                <a:pPr marL="285750" indent="-285750">
+                  <a:buFontTx/>
+                  <a:buChar char="-"/>
+                </a:pPr>
+                <a:r>
+                  <a:rPr lang="en-US" altLang="ko-KR" dirty="0"/>
+                  <a:t>20 x 20 pixels </a:t>
+                </a:r>
+                <a:r>
+                  <a:rPr lang="en-US" altLang="ko-KR" dirty="0" smtClean="0"/>
+                  <a:t>with radius of 45 </a:t>
+                </a:r>
+                <a14:m>
+                  <m:oMath xmlns:m="http://schemas.openxmlformats.org/officeDocument/2006/math">
+                    <m:r>
+                      <m:rPr>
+                        <m:sty m:val="p"/>
+                      </m:rPr>
+                      <a:rPr lang="en-US" altLang="ko-KR" dirty="0" smtClean="0">
+                        <a:latin typeface="Cambria Math" panose="02040503050406030204" pitchFamily="18" charset="0"/>
+                      </a:rPr>
+                      <m:t>n</m:t>
+                    </m:r>
+                    <m:r>
+                      <m:rPr>
+                        <m:sty m:val="p"/>
+                      </m:rPr>
+                      <a:rPr lang="en-US" altLang="ko-KR">
+                        <a:latin typeface="Cambria Math" panose="02040503050406030204" pitchFamily="18" charset="0"/>
+                      </a:rPr>
+                      <m:t>m</m:t>
+                    </m:r>
+                  </m:oMath>
+                </a14:m>
+                <a:endParaRPr lang="ko-KR" altLang="en-US" dirty="0"/>
+              </a:p>
+            </p:txBody>
+          </p:sp>
+        </mc:Choice>
+        <mc:Fallback>
+          <p:sp>
+            <p:nvSpPr>
+              <p:cNvPr id="9" name="TextBox 8"/>
+              <p:cNvSpPr txBox="1">
+                <a:spLocks noRot="1" noChangeAspect="1" noMove="1" noResize="1" noEditPoints="1" noAdjustHandles="1" noChangeArrowheads="1" noChangeShapeType="1" noTextEdit="1"/>
+              </p:cNvSpPr>
+              <p:nvPr/>
+            </p:nvSpPr>
+            <p:spPr>
+              <a:xfrm>
+                <a:off x="0" y="812007"/>
+                <a:ext cx="3998422" cy="923330"/>
+              </a:xfrm>
+              <a:prstGeom prst="rect">
+                <a:avLst/>
+              </a:prstGeom>
+              <a:blipFill>
+                <a:blip r:embed="rId5"/>
+                <a:stretch>
+                  <a:fillRect l="-1220" t="-3289" b="-9211"/>
+                </a:stretch>
+              </a:blipFill>
+            </p:spPr>
+            <p:txBody>
+              <a:bodyPr/>
+              <a:lstStyle/>
+              <a:p>
+                <a:r>
+                  <a:rPr lang="ko-KR" altLang="en-US">
+                    <a:noFill/>
+                  </a:rPr>
+                  <a:t> </a:t>
+                </a:r>
+              </a:p>
+            </p:txBody>
+          </p:sp>
+        </mc:Fallback>
+      </mc:AlternateContent>
     </p:spTree>
     <p:extLst>
       <p:ext uri="{BB962C8B-B14F-4D97-AF65-F5344CB8AC3E}">
